--- a/Micro Front Ends.pptx
+++ b/Micro Front Ends.pptx
@@ -30,6 +30,9 @@
     <p:sldId id="284" r:id="rId24"/>
     <p:sldId id="270" r:id="rId25"/>
     <p:sldId id="271" r:id="rId26"/>
+    <p:sldId id="285" r:id="rId27"/>
+    <p:sldId id="286" r:id="rId28"/>
+    <p:sldId id="287" r:id="rId29"/>
   </p:sldIdLst>
   <p:sldSz cx="12192000" cy="6858000"/>
   <p:notesSz cx="6858000" cy="9144000"/>
@@ -9178,6 +9181,20 @@
               <a:rPr lang="en-US" dirty="0"/>
               <a:t>Loading two React/Angular instances is tricky</a:t>
             </a:r>
+          </a:p>
+          <a:p>
+            <a:r>
+              <a:rPr lang="en-US" dirty="0"/>
+              <a:t>Stencil</a:t>
+            </a:r>
+          </a:p>
+          <a:p>
+            <a:r>
+              <a:rPr lang="en-US" dirty="0"/>
+              <a:t>Angular Elements</a:t>
+            </a:r>
+          </a:p>
+          <a:p>
             <a:endParaRPr lang="he-IL" dirty="0"/>
           </a:p>
         </p:txBody>
@@ -9270,6 +9287,19 @@
           <a:p>
             <a:r>
               <a:rPr lang="en-US" dirty="0"/>
+              <a:t>Allows for component interaction</a:t>
+            </a:r>
+          </a:p>
+          <a:p>
+            <a:pPr lvl="1"/>
+            <a:r>
+              <a:rPr lang="en-US" dirty="0"/>
+              <a:t>Over application interaction</a:t>
+            </a:r>
+          </a:p>
+          <a:p>
+            <a:r>
+              <a:rPr lang="en-US" dirty="0"/>
               <a:t>However,</a:t>
             </a:r>
           </a:p>
@@ -9291,7 +9321,7 @@
             <a:pPr lvl="1"/>
             <a:r>
               <a:rPr lang="en-US" dirty="0"/>
-              <a:t>Cannot nest to much</a:t>
+              <a:t>Cannot nest too much</a:t>
             </a:r>
           </a:p>
           <a:p>
@@ -9311,6 +9341,366 @@
     <p:extLst>
       <p:ext uri="{BB962C8B-B14F-4D97-AF65-F5344CB8AC3E}">
         <p14:creationId xmlns:p14="http://schemas.microsoft.com/office/powerpoint/2010/main" val="2474830639"/>
+      </p:ext>
+    </p:extLst>
+  </p:cSld>
+  <p:clrMapOvr>
+    <a:masterClrMapping/>
+  </p:clrMapOvr>
+</p:sld>
+</file>
+
+<file path=ppt/slides/slide26.xml><?xml version="1.0" encoding="utf-8"?>
+<p:sld xmlns:a="http://schemas.openxmlformats.org/drawingml/2006/main" xmlns:r="http://schemas.openxmlformats.org/officeDocument/2006/relationships" xmlns:p="http://schemas.openxmlformats.org/presentationml/2006/main">
+  <p:cSld>
+    <p:spTree>
+      <p:nvGrpSpPr>
+        <p:cNvPr id="1" name=""/>
+        <p:cNvGrpSpPr/>
+        <p:nvPr/>
+      </p:nvGrpSpPr>
+      <p:grpSpPr>
+        <a:xfrm>
+          <a:off x="0" y="0"/>
+          <a:ext cx="0" cy="0"/>
+          <a:chOff x="0" y="0"/>
+          <a:chExt cx="0" cy="0"/>
+        </a:xfrm>
+      </p:grpSpPr>
+      <p:sp>
+        <p:nvSpPr>
+          <p:cNvPr id="2" name="Title 1">
+            <a:extLst>
+              <a:ext uri="{FF2B5EF4-FFF2-40B4-BE49-F238E27FC236}">
+                <a16:creationId xmlns:a16="http://schemas.microsoft.com/office/drawing/2014/main" id="{0BBBED04-0B52-4B98-A527-2419C46B9DFB}"/>
+              </a:ext>
+            </a:extLst>
+          </p:cNvPr>
+          <p:cNvSpPr>
+            <a:spLocks noGrp="1"/>
+          </p:cNvSpPr>
+          <p:nvPr>
+            <p:ph type="title"/>
+          </p:nvPr>
+        </p:nvSpPr>
+        <p:spPr/>
+        <p:txBody>
+          <a:bodyPr/>
+          <a:lstStyle/>
+          <a:p>
+            <a:r>
+              <a:rPr lang="en-US" dirty="0"/>
+              <a:t>Layout Service</a:t>
+            </a:r>
+            <a:endParaRPr lang="he-IL" dirty="0"/>
+          </a:p>
+        </p:txBody>
+      </p:sp>
+      <p:sp>
+        <p:nvSpPr>
+          <p:cNvPr id="3" name="Content Placeholder 2">
+            <a:extLst>
+              <a:ext uri="{FF2B5EF4-FFF2-40B4-BE49-F238E27FC236}">
+                <a16:creationId xmlns:a16="http://schemas.microsoft.com/office/drawing/2014/main" id="{28BAF8CD-E121-46B1-B7C3-75C8DD4FFFA8}"/>
+              </a:ext>
+            </a:extLst>
+          </p:cNvPr>
+          <p:cNvSpPr>
+            <a:spLocks noGrp="1"/>
+          </p:cNvSpPr>
+          <p:nvPr>
+            <p:ph sz="quarter" idx="1"/>
+          </p:nvPr>
+        </p:nvSpPr>
+        <p:spPr/>
+        <p:txBody>
+          <a:bodyPr/>
+          <a:lstStyle/>
+          <a:p>
+            <a:r>
+              <a:rPr lang="en-US" dirty="0"/>
+              <a:t>Project Mosaic at </a:t>
+            </a:r>
+            <a:r>
+              <a:rPr lang="en-US" dirty="0">
+                <a:hlinkClick r:id="rId2"/>
+              </a:rPr>
+              <a:t>https://www.mosaic9.org/</a:t>
+            </a:r>
+            <a:endParaRPr lang="en-US" dirty="0"/>
+          </a:p>
+          <a:p>
+            <a:r>
+              <a:rPr lang="en-US" dirty="0"/>
+              <a:t>Offers Tailor layout service</a:t>
+            </a:r>
+          </a:p>
+          <a:p>
+            <a:r>
+              <a:rPr lang="en-US" dirty="0"/>
+              <a:t>Composing a website out of various Fragments</a:t>
+            </a:r>
+          </a:p>
+          <a:p>
+            <a:r>
+              <a:rPr lang="en-US" dirty="0"/>
+              <a:t>Inspired by Facebook’s </a:t>
+            </a:r>
+            <a:r>
+              <a:rPr lang="en-US" dirty="0" err="1"/>
+              <a:t>BigPipe</a:t>
+            </a:r>
+            <a:endParaRPr lang="he-IL" dirty="0"/>
+          </a:p>
+        </p:txBody>
+      </p:sp>
+    </p:spTree>
+    <p:extLst>
+      <p:ext uri="{BB962C8B-B14F-4D97-AF65-F5344CB8AC3E}">
+        <p14:creationId xmlns:p14="http://schemas.microsoft.com/office/powerpoint/2010/main" val="4057608645"/>
+      </p:ext>
+    </p:extLst>
+  </p:cSld>
+  <p:clrMapOvr>
+    <a:masterClrMapping/>
+  </p:clrMapOvr>
+</p:sld>
+</file>
+
+<file path=ppt/slides/slide27.xml><?xml version="1.0" encoding="utf-8"?>
+<p:sld xmlns:a="http://schemas.openxmlformats.org/drawingml/2006/main" xmlns:r="http://schemas.openxmlformats.org/officeDocument/2006/relationships" xmlns:p="http://schemas.openxmlformats.org/presentationml/2006/main">
+  <p:cSld>
+    <p:spTree>
+      <p:nvGrpSpPr>
+        <p:cNvPr id="1" name=""/>
+        <p:cNvGrpSpPr/>
+        <p:nvPr/>
+      </p:nvGrpSpPr>
+      <p:grpSpPr>
+        <a:xfrm>
+          <a:off x="0" y="0"/>
+          <a:ext cx="0" cy="0"/>
+          <a:chOff x="0" y="0"/>
+          <a:chExt cx="0" cy="0"/>
+        </a:xfrm>
+      </p:grpSpPr>
+      <p:sp>
+        <p:nvSpPr>
+          <p:cNvPr id="2" name="Title 1">
+            <a:extLst>
+              <a:ext uri="{FF2B5EF4-FFF2-40B4-BE49-F238E27FC236}">
+                <a16:creationId xmlns:a16="http://schemas.microsoft.com/office/drawing/2014/main" id="{9BFB3DEF-4B80-4976-ADC0-672D10A5C0E5}"/>
+              </a:ext>
+            </a:extLst>
+          </p:cNvPr>
+          <p:cNvSpPr>
+            <a:spLocks noGrp="1"/>
+          </p:cNvSpPr>
+          <p:nvPr>
+            <p:ph type="title"/>
+          </p:nvPr>
+        </p:nvSpPr>
+        <p:spPr/>
+        <p:txBody>
+          <a:bodyPr/>
+          <a:lstStyle/>
+          <a:p>
+            <a:r>
+              <a:rPr lang="en-US" dirty="0"/>
+              <a:t>Summary</a:t>
+            </a:r>
+            <a:endParaRPr lang="he-IL" dirty="0"/>
+          </a:p>
+        </p:txBody>
+      </p:sp>
+      <p:sp>
+        <p:nvSpPr>
+          <p:cNvPr id="3" name="Content Placeholder 2">
+            <a:extLst>
+              <a:ext uri="{FF2B5EF4-FFF2-40B4-BE49-F238E27FC236}">
+                <a16:creationId xmlns:a16="http://schemas.microsoft.com/office/drawing/2014/main" id="{E616F52E-9AB7-493D-ACC9-798B59A9C852}"/>
+              </a:ext>
+            </a:extLst>
+          </p:cNvPr>
+          <p:cNvSpPr>
+            <a:spLocks noGrp="1"/>
+          </p:cNvSpPr>
+          <p:nvPr>
+            <p:ph sz="quarter" idx="1"/>
+          </p:nvPr>
+        </p:nvSpPr>
+        <p:spPr/>
+        <p:txBody>
+          <a:bodyPr/>
+          <a:lstStyle/>
+          <a:p>
+            <a:r>
+              <a:rPr lang="en-US" dirty="0"/>
+              <a:t>Lots of recipes and small tools</a:t>
+            </a:r>
+          </a:p>
+          <a:p>
+            <a:r>
+              <a:rPr lang="en-US" dirty="0"/>
+              <a:t>No significant leader</a:t>
+            </a:r>
+          </a:p>
+          <a:p>
+            <a:r>
+              <a:rPr lang="en-US" dirty="0"/>
+              <a:t>single-spa is probably the most famous</a:t>
+            </a:r>
+          </a:p>
+          <a:p>
+            <a:r>
+              <a:rPr lang="en-US" dirty="0"/>
+              <a:t>Should resemble the organization layout</a:t>
+            </a:r>
+          </a:p>
+          <a:p>
+            <a:endParaRPr lang="he-IL" dirty="0"/>
+          </a:p>
+        </p:txBody>
+      </p:sp>
+    </p:spTree>
+    <p:extLst>
+      <p:ext uri="{BB962C8B-B14F-4D97-AF65-F5344CB8AC3E}">
+        <p14:creationId xmlns:p14="http://schemas.microsoft.com/office/powerpoint/2010/main" val="3972122008"/>
+      </p:ext>
+    </p:extLst>
+  </p:cSld>
+  <p:clrMapOvr>
+    <a:masterClrMapping/>
+  </p:clrMapOvr>
+</p:sld>
+</file>
+
+<file path=ppt/slides/slide28.xml><?xml version="1.0" encoding="utf-8"?>
+<p:sld xmlns:a="http://schemas.openxmlformats.org/drawingml/2006/main" xmlns:r="http://schemas.openxmlformats.org/officeDocument/2006/relationships" xmlns:p="http://schemas.openxmlformats.org/presentationml/2006/main">
+  <p:cSld>
+    <p:spTree>
+      <p:nvGrpSpPr>
+        <p:cNvPr id="1" name=""/>
+        <p:cNvGrpSpPr/>
+        <p:nvPr/>
+      </p:nvGrpSpPr>
+      <p:grpSpPr>
+        <a:xfrm>
+          <a:off x="0" y="0"/>
+          <a:ext cx="0" cy="0"/>
+          <a:chOff x="0" y="0"/>
+          <a:chExt cx="0" cy="0"/>
+        </a:xfrm>
+      </p:grpSpPr>
+      <p:sp>
+        <p:nvSpPr>
+          <p:cNvPr id="2" name="Title 1">
+            <a:extLst>
+              <a:ext uri="{FF2B5EF4-FFF2-40B4-BE49-F238E27FC236}">
+                <a16:creationId xmlns:a16="http://schemas.microsoft.com/office/drawing/2014/main" id="{36758401-771D-43FA-A37B-A1E25B411C8E}"/>
+              </a:ext>
+            </a:extLst>
+          </p:cNvPr>
+          <p:cNvSpPr>
+            <a:spLocks noGrp="1"/>
+          </p:cNvSpPr>
+          <p:nvPr>
+            <p:ph type="ctrTitle"/>
+          </p:nvPr>
+        </p:nvSpPr>
+        <p:spPr/>
+        <p:txBody>
+          <a:bodyPr/>
+          <a:lstStyle/>
+          <a:p>
+            <a:r>
+              <a:rPr lang="en-US" dirty="0"/>
+              <a:t>THANK YOU</a:t>
+            </a:r>
+            <a:endParaRPr lang="he-IL" dirty="0"/>
+          </a:p>
+        </p:txBody>
+      </p:sp>
+      <p:sp>
+        <p:nvSpPr>
+          <p:cNvPr id="3" name="Subtitle 2">
+            <a:extLst>
+              <a:ext uri="{FF2B5EF4-FFF2-40B4-BE49-F238E27FC236}">
+                <a16:creationId xmlns:a16="http://schemas.microsoft.com/office/drawing/2014/main" id="{77E1CB1B-86B8-4791-AE81-FE570086ECAD}"/>
+              </a:ext>
+            </a:extLst>
+          </p:cNvPr>
+          <p:cNvSpPr>
+            <a:spLocks noGrp="1"/>
+          </p:cNvSpPr>
+          <p:nvPr>
+            <p:ph type="subTitle" idx="1"/>
+          </p:nvPr>
+        </p:nvSpPr>
+        <p:spPr/>
+        <p:txBody>
+          <a:bodyPr>
+            <a:normAutofit fontScale="77500" lnSpcReduction="20000"/>
+          </a:bodyPr>
+          <a:lstStyle/>
+          <a:p>
+            <a:r>
+              <a:rPr lang="en-US" dirty="0"/>
+              <a:t>Ori Calvo</a:t>
+            </a:r>
+          </a:p>
+          <a:p>
+            <a:r>
+              <a:rPr lang="en-US" dirty="0"/>
+              <a:t>Trainologic</a:t>
+            </a:r>
+            <a:endParaRPr lang="he-IL" dirty="0"/>
+          </a:p>
+        </p:txBody>
+      </p:sp>
+      <p:pic>
+        <p:nvPicPr>
+          <p:cNvPr id="7" name="Graphic 6">
+            <a:extLst>
+              <a:ext uri="{FF2B5EF4-FFF2-40B4-BE49-F238E27FC236}">
+                <a16:creationId xmlns:a16="http://schemas.microsoft.com/office/drawing/2014/main" id="{B4B80071-3921-45A2-8E33-1928FBBFA4B7}"/>
+              </a:ext>
+            </a:extLst>
+          </p:cNvPr>
+          <p:cNvPicPr>
+            <a:picLocks noChangeAspect="1"/>
+          </p:cNvPicPr>
+          <p:nvPr/>
+        </p:nvPicPr>
+        <p:blipFill>
+          <a:blip r:embed="rId2">
+            <a:extLst>
+              <a:ext uri="{28A0092B-C50C-407E-A947-70E740481C1C}">
+                <a14:useLocalDpi xmlns:a14="http://schemas.microsoft.com/office/drawing/2010/main" val="0"/>
+              </a:ext>
+              <a:ext uri="{96DAC541-7B7A-43D3-8B79-37D633B846F1}">
+                <asvg:svgBlip xmlns:asvg="http://schemas.microsoft.com/office/drawing/2016/SVG/main" r:embed="rId3"/>
+              </a:ext>
+            </a:extLst>
+          </a:blip>
+          <a:stretch>
+            <a:fillRect/>
+          </a:stretch>
+        </p:blipFill>
+        <p:spPr>
+          <a:xfrm>
+            <a:off x="1907403" y="2281237"/>
+            <a:ext cx="7286625" cy="1076325"/>
+          </a:xfrm>
+          <a:prstGeom prst="rect">
+            <a:avLst/>
+          </a:prstGeom>
+        </p:spPr>
+      </p:pic>
+    </p:spTree>
+    <p:extLst>
+      <p:ext uri="{BB962C8B-B14F-4D97-AF65-F5344CB8AC3E}">
+        <p14:creationId xmlns:p14="http://schemas.microsoft.com/office/powerpoint/2010/main" val="1866377610"/>
       </p:ext>
     </p:extLst>
   </p:cSld>
@@ -9968,18 +10358,6 @@
             <a:r>
               <a:rPr lang="en-US" dirty="0"/>
               <a:t>The single-spa framework</a:t>
-            </a:r>
-          </a:p>
-          <a:p>
-            <a:r>
-              <a:rPr lang="en-US" dirty="0"/>
-              <a:t>Stencil</a:t>
-            </a:r>
-          </a:p>
-          <a:p>
-            <a:r>
-              <a:rPr lang="en-US" dirty="0"/>
-              <a:t>Angular elements</a:t>
             </a:r>
           </a:p>
           <a:p>
